--- a/Matrix multiplication.pptx
+++ b/Matrix multiplication.pptx
@@ -10,6 +10,7 @@
     <p:sldId id="260" r:id="rId4"/>
     <p:sldId id="258" r:id="rId5"/>
     <p:sldId id="259" r:id="rId6"/>
+    <p:sldId id="262" r:id="rId7"/>
   </p:sldIdLst>
   <p:sldSz cx="12192000" cy="6858000"/>
   <p:notesSz cx="6858000" cy="9144000"/>
@@ -119,7 +120,7 @@
 <file path=ppt/revisionInfo.xml><?xml version="1.0" encoding="utf-8"?>
 <p1510:revInfo xmlns:a="http://schemas.openxmlformats.org/drawingml/2006/main" xmlns:r="http://schemas.openxmlformats.org/officeDocument/2006/relationships" xmlns:p1510="http://schemas.microsoft.com/office/powerpoint/2015/10/main">
   <p1510:revLst>
-    <p1510:client id="{8FEE5646-5C0E-4FC9-808B-90A02C452708}" v="11" dt="2023-04-29T13:31:22.119"/>
+    <p1510:client id="{8FEE5646-5C0E-4FC9-808B-90A02C452708}" v="13" dt="2023-05-22T10:59:54.851"/>
   </p1510:revLst>
 </p1510:revInfo>
 </file>
@@ -129,7 +130,7 @@
   <pc:docChgLst>
     <pc:chgData name="Jean" userId="d661cc535043b6a8" providerId="LiveId" clId="{8FEE5646-5C0E-4FC9-808B-90A02C452708}"/>
     <pc:docChg chg="custSel addSld delSld modSld">
-      <pc:chgData name="Jean" userId="d661cc535043b6a8" providerId="LiveId" clId="{8FEE5646-5C0E-4FC9-808B-90A02C452708}" dt="2023-05-21T17:47:37.266" v="421" actId="20577"/>
+      <pc:chgData name="Jean" userId="d661cc535043b6a8" providerId="LiveId" clId="{8FEE5646-5C0E-4FC9-808B-90A02C452708}" dt="2023-05-22T10:59:54.851" v="720" actId="1076"/>
       <pc:docMkLst>
         <pc:docMk/>
       </pc:docMkLst>
@@ -141,7 +142,7 @@
         </pc:sldMkLst>
       </pc:sldChg>
       <pc:sldChg chg="addSp modSp mod">
-        <pc:chgData name="Jean" userId="d661cc535043b6a8" providerId="LiveId" clId="{8FEE5646-5C0E-4FC9-808B-90A02C452708}" dt="2023-05-21T17:47:37.266" v="421" actId="20577"/>
+        <pc:chgData name="Jean" userId="d661cc535043b6a8" providerId="LiveId" clId="{8FEE5646-5C0E-4FC9-808B-90A02C452708}" dt="2023-05-22T10:59:54.851" v="720" actId="1076"/>
         <pc:sldMkLst>
           <pc:docMk/>
           <pc:sldMk cId="2772564865" sldId="257"/>
@@ -163,7 +164,7 @@
           </ac:spMkLst>
         </pc:spChg>
         <pc:spChg chg="mod">
-          <ac:chgData name="Jean" userId="d661cc535043b6a8" providerId="LiveId" clId="{8FEE5646-5C0E-4FC9-808B-90A02C452708}" dt="2023-04-28T11:42:42.480" v="412" actId="1076"/>
+          <ac:chgData name="Jean" userId="d661cc535043b6a8" providerId="LiveId" clId="{8FEE5646-5C0E-4FC9-808B-90A02C452708}" dt="2023-05-22T10:59:50.868" v="718" actId="20577"/>
           <ac:spMkLst>
             <pc:docMk/>
             <pc:sldMk cId="2772564865" sldId="257"/>
@@ -195,7 +196,7 @@
           </ac:spMkLst>
         </pc:spChg>
         <pc:picChg chg="mod">
-          <ac:chgData name="Jean" userId="d661cc535043b6a8" providerId="LiveId" clId="{8FEE5646-5C0E-4FC9-808B-90A02C452708}" dt="2023-04-28T11:42:24.125" v="409" actId="1076"/>
+          <ac:chgData name="Jean" userId="d661cc535043b6a8" providerId="LiveId" clId="{8FEE5646-5C0E-4FC9-808B-90A02C452708}" dt="2023-05-22T10:59:54.851" v="720" actId="1076"/>
           <ac:picMkLst>
             <pc:docMk/>
             <pc:sldMk cId="2772564865" sldId="257"/>
@@ -280,6 +281,29 @@
           </ac:spMkLst>
         </pc:spChg>
       </pc:sldChg>
+      <pc:sldChg chg="modSp new mod">
+        <pc:chgData name="Jean" userId="d661cc535043b6a8" providerId="LiveId" clId="{8FEE5646-5C0E-4FC9-808B-90A02C452708}" dt="2023-05-22T10:51:45.216" v="690" actId="20577"/>
+        <pc:sldMkLst>
+          <pc:docMk/>
+          <pc:sldMk cId="3563857863" sldId="262"/>
+        </pc:sldMkLst>
+        <pc:spChg chg="mod">
+          <ac:chgData name="Jean" userId="d661cc535043b6a8" providerId="LiveId" clId="{8FEE5646-5C0E-4FC9-808B-90A02C452708}" dt="2023-05-22T10:50:16.027" v="554" actId="20577"/>
+          <ac:spMkLst>
+            <pc:docMk/>
+            <pc:sldMk cId="3563857863" sldId="262"/>
+            <ac:spMk id="2" creationId="{32803A73-145C-2B79-37F7-2ABF22588B95}"/>
+          </ac:spMkLst>
+        </pc:spChg>
+        <pc:spChg chg="mod">
+          <ac:chgData name="Jean" userId="d661cc535043b6a8" providerId="LiveId" clId="{8FEE5646-5C0E-4FC9-808B-90A02C452708}" dt="2023-05-22T10:51:45.216" v="690" actId="20577"/>
+          <ac:spMkLst>
+            <pc:docMk/>
+            <pc:sldMk cId="3563857863" sldId="262"/>
+            <ac:spMk id="3" creationId="{7FC8695D-E556-0798-BA62-D915426E54EB}"/>
+          </ac:spMkLst>
+        </pc:spChg>
+      </pc:sldChg>
     </pc:docChg>
   </pc:docChgLst>
 </pc:chgInfo>
@@ -432,7 +456,7 @@
           <a:p>
             <a:fld id="{194F26FB-BC04-428D-9D9B-8FE39676BE7B}" type="datetimeFigureOut">
               <a:rPr lang="fr-FR" smtClean="0"/>
-              <a:t>21/05/2023</a:t>
+              <a:t>22/05/2023</a:t>
             </a:fld>
             <a:endParaRPr lang="fr-FR"/>
           </a:p>
@@ -630,7 +654,7 @@
           <a:p>
             <a:fld id="{194F26FB-BC04-428D-9D9B-8FE39676BE7B}" type="datetimeFigureOut">
               <a:rPr lang="fr-FR" smtClean="0"/>
-              <a:t>21/05/2023</a:t>
+              <a:t>22/05/2023</a:t>
             </a:fld>
             <a:endParaRPr lang="fr-FR"/>
           </a:p>
@@ -838,7 +862,7 @@
           <a:p>
             <a:fld id="{194F26FB-BC04-428D-9D9B-8FE39676BE7B}" type="datetimeFigureOut">
               <a:rPr lang="fr-FR" smtClean="0"/>
-              <a:t>21/05/2023</a:t>
+              <a:t>22/05/2023</a:t>
             </a:fld>
             <a:endParaRPr lang="fr-FR"/>
           </a:p>
@@ -1036,7 +1060,7 @@
           <a:p>
             <a:fld id="{194F26FB-BC04-428D-9D9B-8FE39676BE7B}" type="datetimeFigureOut">
               <a:rPr lang="fr-FR" smtClean="0"/>
-              <a:t>21/05/2023</a:t>
+              <a:t>22/05/2023</a:t>
             </a:fld>
             <a:endParaRPr lang="fr-FR"/>
           </a:p>
@@ -1311,7 +1335,7 @@
           <a:p>
             <a:fld id="{194F26FB-BC04-428D-9D9B-8FE39676BE7B}" type="datetimeFigureOut">
               <a:rPr lang="fr-FR" smtClean="0"/>
-              <a:t>21/05/2023</a:t>
+              <a:t>22/05/2023</a:t>
             </a:fld>
             <a:endParaRPr lang="fr-FR"/>
           </a:p>
@@ -1576,7 +1600,7 @@
           <a:p>
             <a:fld id="{194F26FB-BC04-428D-9D9B-8FE39676BE7B}" type="datetimeFigureOut">
               <a:rPr lang="fr-FR" smtClean="0"/>
-              <a:t>21/05/2023</a:t>
+              <a:t>22/05/2023</a:t>
             </a:fld>
             <a:endParaRPr lang="fr-FR"/>
           </a:p>
@@ -1988,7 +2012,7 @@
           <a:p>
             <a:fld id="{194F26FB-BC04-428D-9D9B-8FE39676BE7B}" type="datetimeFigureOut">
               <a:rPr lang="fr-FR" smtClean="0"/>
-              <a:t>21/05/2023</a:t>
+              <a:t>22/05/2023</a:t>
             </a:fld>
             <a:endParaRPr lang="fr-FR"/>
           </a:p>
@@ -2129,7 +2153,7 @@
           <a:p>
             <a:fld id="{194F26FB-BC04-428D-9D9B-8FE39676BE7B}" type="datetimeFigureOut">
               <a:rPr lang="fr-FR" smtClean="0"/>
-              <a:t>21/05/2023</a:t>
+              <a:t>22/05/2023</a:t>
             </a:fld>
             <a:endParaRPr lang="fr-FR"/>
           </a:p>
@@ -2242,7 +2266,7 @@
           <a:p>
             <a:fld id="{194F26FB-BC04-428D-9D9B-8FE39676BE7B}" type="datetimeFigureOut">
               <a:rPr lang="fr-FR" smtClean="0"/>
-              <a:t>21/05/2023</a:t>
+              <a:t>22/05/2023</a:t>
             </a:fld>
             <a:endParaRPr lang="fr-FR"/>
           </a:p>
@@ -2553,7 +2577,7 @@
           <a:p>
             <a:fld id="{194F26FB-BC04-428D-9D9B-8FE39676BE7B}" type="datetimeFigureOut">
               <a:rPr lang="fr-FR" smtClean="0"/>
-              <a:t>21/05/2023</a:t>
+              <a:t>22/05/2023</a:t>
             </a:fld>
             <a:endParaRPr lang="fr-FR"/>
           </a:p>
@@ -2841,7 +2865,7 @@
           <a:p>
             <a:fld id="{194F26FB-BC04-428D-9D9B-8FE39676BE7B}" type="datetimeFigureOut">
               <a:rPr lang="fr-FR" smtClean="0"/>
-              <a:t>21/05/2023</a:t>
+              <a:t>22/05/2023</a:t>
             </a:fld>
             <a:endParaRPr lang="fr-FR"/>
           </a:p>
@@ -3082,7 +3106,7 @@
           <a:p>
             <a:fld id="{194F26FB-BC04-428D-9D9B-8FE39676BE7B}" type="datetimeFigureOut">
               <a:rPr lang="fr-FR" smtClean="0"/>
-              <a:t>21/05/2023</a:t>
+              <a:t>22/05/2023</a:t>
             </a:fld>
             <a:endParaRPr lang="fr-FR"/>
           </a:p>
@@ -3710,13 +3734,8 @@
           <a:p>
             <a:r>
               <a:rPr lang="fr-FR" dirty="0"/>
-              <a:t>M1 M2 M3 </a:t>
-            </a:r>
-            <a:r>
-              <a:rPr lang="fr-FR" dirty="0" err="1"/>
-              <a:t>etc</a:t>
-            </a:r>
-            <a:endParaRPr lang="fr-FR" dirty="0"/>
+              <a:t>M1  M2  M3  M4  M5  M6  M7</a:t>
+            </a:r>
           </a:p>
         </p:txBody>
       </p:sp>
@@ -4307,6 +4326,193 @@
     <p:extLst>
       <p:ext uri="{BB962C8B-B14F-4D97-AF65-F5344CB8AC3E}">
         <p14:creationId xmlns:p14="http://schemas.microsoft.com/office/powerpoint/2010/main" val="2684228516"/>
+      </p:ext>
+    </p:extLst>
+  </p:cSld>
+  <p:clrMapOvr>
+    <a:masterClrMapping/>
+  </p:clrMapOvr>
+</p:sld>
+</file>
+
+<file path=ppt/slides/slide6.xml><?xml version="1.0" encoding="utf-8"?>
+<p:sld xmlns:a="http://schemas.openxmlformats.org/drawingml/2006/main" xmlns:r="http://schemas.openxmlformats.org/officeDocument/2006/relationships" xmlns:p="http://schemas.openxmlformats.org/presentationml/2006/main">
+  <p:cSld>
+    <p:spTree>
+      <p:nvGrpSpPr>
+        <p:cNvPr id="1" name=""/>
+        <p:cNvGrpSpPr/>
+        <p:nvPr/>
+      </p:nvGrpSpPr>
+      <p:grpSpPr>
+        <a:xfrm>
+          <a:off x="0" y="0"/>
+          <a:ext cx="0" cy="0"/>
+          <a:chOff x="0" y="0"/>
+          <a:chExt cx="0" cy="0"/>
+        </a:xfrm>
+      </p:grpSpPr>
+      <p:sp>
+        <p:nvSpPr>
+          <p:cNvPr id="2" name="Titre 1">
+            <a:extLst>
+              <a:ext uri="{FF2B5EF4-FFF2-40B4-BE49-F238E27FC236}">
+                <a16:creationId xmlns:a16="http://schemas.microsoft.com/office/drawing/2014/main" id="{32803A73-145C-2B79-37F7-2ABF22588B95}"/>
+              </a:ext>
+            </a:extLst>
+          </p:cNvPr>
+          <p:cNvSpPr>
+            <a:spLocks noGrp="1"/>
+          </p:cNvSpPr>
+          <p:nvPr>
+            <p:ph type="title"/>
+          </p:nvPr>
+        </p:nvSpPr>
+        <p:spPr/>
+        <p:txBody>
+          <a:bodyPr/>
+          <a:lstStyle/>
+          <a:p>
+            <a:endParaRPr lang="fr-FR" dirty="0"/>
+          </a:p>
+        </p:txBody>
+      </p:sp>
+      <p:sp>
+        <p:nvSpPr>
+          <p:cNvPr id="3" name="Espace réservé du contenu 2">
+            <a:extLst>
+              <a:ext uri="{FF2B5EF4-FFF2-40B4-BE49-F238E27FC236}">
+                <a16:creationId xmlns:a16="http://schemas.microsoft.com/office/drawing/2014/main" id="{7FC8695D-E556-0798-BA62-D915426E54EB}"/>
+              </a:ext>
+            </a:extLst>
+          </p:cNvPr>
+          <p:cNvSpPr>
+            <a:spLocks noGrp="1"/>
+          </p:cNvSpPr>
+          <p:nvPr>
+            <p:ph idx="1"/>
+          </p:nvPr>
+        </p:nvSpPr>
+        <p:spPr/>
+        <p:txBody>
+          <a:bodyPr/>
+          <a:lstStyle/>
+          <a:p>
+            <a:pPr marL="0" indent="0">
+              <a:buNone/>
+            </a:pPr>
+            <a:r>
+              <a:rPr lang="fr-FR" dirty="0"/>
+              <a:t>Objective</a:t>
+            </a:r>
+          </a:p>
+          <a:p>
+            <a:r>
+              <a:rPr lang="fr-FR" dirty="0" err="1"/>
+              <a:t>We</a:t>
+            </a:r>
+            <a:r>
+              <a:rPr lang="fr-FR" dirty="0"/>
+              <a:t> can </a:t>
+            </a:r>
+            <a:r>
+              <a:rPr lang="fr-FR" dirty="0" err="1"/>
+              <a:t>reduce</a:t>
+            </a:r>
+            <a:r>
+              <a:rPr lang="fr-FR" dirty="0"/>
+              <a:t> the </a:t>
+            </a:r>
+            <a:r>
+              <a:rPr lang="fr-FR" dirty="0" err="1"/>
+              <a:t>number</a:t>
+            </a:r>
+            <a:r>
+              <a:rPr lang="fr-FR" dirty="0"/>
+              <a:t> of additions for a </a:t>
+            </a:r>
+            <a:r>
+              <a:rPr lang="fr-FR" dirty="0" err="1"/>
+              <a:t>given</a:t>
+            </a:r>
+            <a:r>
+              <a:rPr lang="fr-FR" dirty="0"/>
+              <a:t> K</a:t>
+            </a:r>
+          </a:p>
+          <a:p>
+            <a:r>
+              <a:rPr lang="fr-FR" dirty="0"/>
+              <a:t>Or </a:t>
+            </a:r>
+            <a:r>
+              <a:rPr lang="fr-FR" dirty="0" err="1"/>
+              <a:t>we</a:t>
+            </a:r>
+            <a:r>
+              <a:rPr lang="fr-FR" dirty="0"/>
+              <a:t> can </a:t>
+            </a:r>
+            <a:r>
+              <a:rPr lang="fr-FR" dirty="0" err="1"/>
+              <a:t>reduce</a:t>
+            </a:r>
+            <a:r>
+              <a:rPr lang="fr-FR" dirty="0"/>
+              <a:t> the </a:t>
+            </a:r>
+            <a:r>
+              <a:rPr lang="fr-FR" dirty="0" err="1"/>
+              <a:t>number</a:t>
+            </a:r>
+            <a:r>
+              <a:rPr lang="fr-FR" dirty="0"/>
+              <a:t> of multiplication for K=n^3</a:t>
+            </a:r>
+          </a:p>
+          <a:p>
+            <a:pPr marL="0" indent="0">
+              <a:buNone/>
+            </a:pPr>
+            <a:r>
+              <a:rPr lang="fr-FR" dirty="0" err="1"/>
+              <a:t>Counting</a:t>
+            </a:r>
+            <a:endParaRPr lang="fr-FR" dirty="0"/>
+          </a:p>
+          <a:p>
+            <a:r>
+              <a:rPr lang="fr-FR" dirty="0" err="1"/>
+              <a:t>Classic</a:t>
+            </a:r>
+            <a:r>
+              <a:rPr lang="fr-FR" dirty="0"/>
+              <a:t> : 8 multiplications, 3*8 additions</a:t>
+            </a:r>
+          </a:p>
+          <a:p>
+            <a:r>
+              <a:rPr lang="fr-FR" dirty="0" err="1"/>
+              <a:t>Strassen</a:t>
+            </a:r>
+            <a:r>
+              <a:rPr lang="fr-FR" dirty="0"/>
+              <a:t> : 7 multiplications : 3*12 – 3*7 additions</a:t>
+            </a:r>
+          </a:p>
+          <a:p>
+            <a:endParaRPr lang="fr-FR" dirty="0"/>
+          </a:p>
+          <a:p>
+            <a:pPr lvl="1"/>
+            <a:endParaRPr lang="fr-FR" dirty="0"/>
+          </a:p>
+        </p:txBody>
+      </p:sp>
+    </p:spTree>
+    <p:extLst>
+      <p:ext uri="{BB962C8B-B14F-4D97-AF65-F5344CB8AC3E}">
+        <p14:creationId xmlns:p14="http://schemas.microsoft.com/office/powerpoint/2010/main" val="3563857863"/>
       </p:ext>
     </p:extLst>
   </p:cSld>

--- a/Matrix multiplication.pptx
+++ b/Matrix multiplication.pptx
@@ -120,7 +120,7 @@
 <file path=ppt/revisionInfo.xml><?xml version="1.0" encoding="utf-8"?>
 <p1510:revInfo xmlns:a="http://schemas.openxmlformats.org/drawingml/2006/main" xmlns:r="http://schemas.openxmlformats.org/officeDocument/2006/relationships" xmlns:p1510="http://schemas.microsoft.com/office/powerpoint/2015/10/main">
   <p1510:revLst>
-    <p1510:client id="{8FEE5646-5C0E-4FC9-808B-90A02C452708}" v="13" dt="2023-05-22T10:59:54.851"/>
+    <p1510:client id="{8FEE5646-5C0E-4FC9-808B-90A02C452708}" v="14" dt="2023-05-23T10:19:55.716"/>
   </p1510:revLst>
 </p1510:revInfo>
 </file>
@@ -130,7 +130,7 @@
   <pc:docChgLst>
     <pc:chgData name="Jean" userId="d661cc535043b6a8" providerId="LiveId" clId="{8FEE5646-5C0E-4FC9-808B-90A02C452708}"/>
     <pc:docChg chg="custSel addSld delSld modSld">
-      <pc:chgData name="Jean" userId="d661cc535043b6a8" providerId="LiveId" clId="{8FEE5646-5C0E-4FC9-808B-90A02C452708}" dt="2023-05-22T10:59:54.851" v="720" actId="1076"/>
+      <pc:chgData name="Jean" userId="d661cc535043b6a8" providerId="LiveId" clId="{8FEE5646-5C0E-4FC9-808B-90A02C452708}" dt="2023-05-23T10:35:22.494" v="754" actId="20577"/>
       <pc:docMkLst>
         <pc:docMk/>
       </pc:docMkLst>
@@ -282,7 +282,7 @@
         </pc:spChg>
       </pc:sldChg>
       <pc:sldChg chg="modSp new mod">
-        <pc:chgData name="Jean" userId="d661cc535043b6a8" providerId="LiveId" clId="{8FEE5646-5C0E-4FC9-808B-90A02C452708}" dt="2023-05-22T10:51:45.216" v="690" actId="20577"/>
+        <pc:chgData name="Jean" userId="d661cc535043b6a8" providerId="LiveId" clId="{8FEE5646-5C0E-4FC9-808B-90A02C452708}" dt="2023-05-23T10:35:22.494" v="754" actId="20577"/>
         <pc:sldMkLst>
           <pc:docMk/>
           <pc:sldMk cId="3563857863" sldId="262"/>
@@ -296,13 +296,43 @@
           </ac:spMkLst>
         </pc:spChg>
         <pc:spChg chg="mod">
-          <ac:chgData name="Jean" userId="d661cc535043b6a8" providerId="LiveId" clId="{8FEE5646-5C0E-4FC9-808B-90A02C452708}" dt="2023-05-22T10:51:45.216" v="690" actId="20577"/>
+          <ac:chgData name="Jean" userId="d661cc535043b6a8" providerId="LiveId" clId="{8FEE5646-5C0E-4FC9-808B-90A02C452708}" dt="2023-05-23T10:35:22.494" v="754" actId="20577"/>
           <ac:spMkLst>
             <pc:docMk/>
             <pc:sldMk cId="3563857863" sldId="262"/>
             <ac:spMk id="3" creationId="{7FC8695D-E556-0798-BA62-D915426E54EB}"/>
           </ac:spMkLst>
         </pc:spChg>
+      </pc:sldChg>
+      <pc:sldChg chg="addSp delSp modSp new del mod">
+        <pc:chgData name="Jean" userId="d661cc535043b6a8" providerId="LiveId" clId="{8FEE5646-5C0E-4FC9-808B-90A02C452708}" dt="2023-05-23T10:20:24.105" v="728" actId="47"/>
+        <pc:sldMkLst>
+          <pc:docMk/>
+          <pc:sldMk cId="3445480315" sldId="263"/>
+        </pc:sldMkLst>
+        <pc:spChg chg="del">
+          <ac:chgData name="Jean" userId="d661cc535043b6a8" providerId="LiveId" clId="{8FEE5646-5C0E-4FC9-808B-90A02C452708}" dt="2023-05-23T10:19:55.716" v="722"/>
+          <ac:spMkLst>
+            <pc:docMk/>
+            <pc:sldMk cId="3445480315" sldId="263"/>
+            <ac:spMk id="3" creationId="{FE774909-78FD-C19E-F5AB-0D0E08359498}"/>
+          </ac:spMkLst>
+        </pc:spChg>
+        <pc:picChg chg="add mod">
+          <ac:chgData name="Jean" userId="d661cc535043b6a8" providerId="LiveId" clId="{8FEE5646-5C0E-4FC9-808B-90A02C452708}" dt="2023-05-23T10:20:04.022" v="726" actId="14100"/>
+          <ac:picMkLst>
+            <pc:docMk/>
+            <pc:sldMk cId="3445480315" sldId="263"/>
+            <ac:picMk id="5" creationId="{711479E0-3A00-9401-DA9F-D0CF711379B9}"/>
+          </ac:picMkLst>
+        </pc:picChg>
+      </pc:sldChg>
+      <pc:sldChg chg="new del">
+        <pc:chgData name="Jean" userId="d661cc535043b6a8" providerId="LiveId" clId="{8FEE5646-5C0E-4FC9-808B-90A02C452708}" dt="2023-05-23T10:20:24.869" v="729" actId="47"/>
+        <pc:sldMkLst>
+          <pc:docMk/>
+          <pc:sldMk cId="941730419" sldId="264"/>
+        </pc:sldMkLst>
       </pc:sldChg>
     </pc:docChg>
   </pc:docChgLst>
@@ -456,7 +486,7 @@
           <a:p>
             <a:fld id="{194F26FB-BC04-428D-9D9B-8FE39676BE7B}" type="datetimeFigureOut">
               <a:rPr lang="fr-FR" smtClean="0"/>
-              <a:t>22/05/2023</a:t>
+              <a:t>23/05/2023</a:t>
             </a:fld>
             <a:endParaRPr lang="fr-FR"/>
           </a:p>
@@ -654,7 +684,7 @@
           <a:p>
             <a:fld id="{194F26FB-BC04-428D-9D9B-8FE39676BE7B}" type="datetimeFigureOut">
               <a:rPr lang="fr-FR" smtClean="0"/>
-              <a:t>22/05/2023</a:t>
+              <a:t>23/05/2023</a:t>
             </a:fld>
             <a:endParaRPr lang="fr-FR"/>
           </a:p>
@@ -862,7 +892,7 @@
           <a:p>
             <a:fld id="{194F26FB-BC04-428D-9D9B-8FE39676BE7B}" type="datetimeFigureOut">
               <a:rPr lang="fr-FR" smtClean="0"/>
-              <a:t>22/05/2023</a:t>
+              <a:t>23/05/2023</a:t>
             </a:fld>
             <a:endParaRPr lang="fr-FR"/>
           </a:p>
@@ -1060,7 +1090,7 @@
           <a:p>
             <a:fld id="{194F26FB-BC04-428D-9D9B-8FE39676BE7B}" type="datetimeFigureOut">
               <a:rPr lang="fr-FR" smtClean="0"/>
-              <a:t>22/05/2023</a:t>
+              <a:t>23/05/2023</a:t>
             </a:fld>
             <a:endParaRPr lang="fr-FR"/>
           </a:p>
@@ -1335,7 +1365,7 @@
           <a:p>
             <a:fld id="{194F26FB-BC04-428D-9D9B-8FE39676BE7B}" type="datetimeFigureOut">
               <a:rPr lang="fr-FR" smtClean="0"/>
-              <a:t>22/05/2023</a:t>
+              <a:t>23/05/2023</a:t>
             </a:fld>
             <a:endParaRPr lang="fr-FR"/>
           </a:p>
@@ -1600,7 +1630,7 @@
           <a:p>
             <a:fld id="{194F26FB-BC04-428D-9D9B-8FE39676BE7B}" type="datetimeFigureOut">
               <a:rPr lang="fr-FR" smtClean="0"/>
-              <a:t>22/05/2023</a:t>
+              <a:t>23/05/2023</a:t>
             </a:fld>
             <a:endParaRPr lang="fr-FR"/>
           </a:p>
@@ -2012,7 +2042,7 @@
           <a:p>
             <a:fld id="{194F26FB-BC04-428D-9D9B-8FE39676BE7B}" type="datetimeFigureOut">
               <a:rPr lang="fr-FR" smtClean="0"/>
-              <a:t>22/05/2023</a:t>
+              <a:t>23/05/2023</a:t>
             </a:fld>
             <a:endParaRPr lang="fr-FR"/>
           </a:p>
@@ -2153,7 +2183,7 @@
           <a:p>
             <a:fld id="{194F26FB-BC04-428D-9D9B-8FE39676BE7B}" type="datetimeFigureOut">
               <a:rPr lang="fr-FR" smtClean="0"/>
-              <a:t>22/05/2023</a:t>
+              <a:t>23/05/2023</a:t>
             </a:fld>
             <a:endParaRPr lang="fr-FR"/>
           </a:p>
@@ -2266,7 +2296,7 @@
           <a:p>
             <a:fld id="{194F26FB-BC04-428D-9D9B-8FE39676BE7B}" type="datetimeFigureOut">
               <a:rPr lang="fr-FR" smtClean="0"/>
-              <a:t>22/05/2023</a:t>
+              <a:t>23/05/2023</a:t>
             </a:fld>
             <a:endParaRPr lang="fr-FR"/>
           </a:p>
@@ -2577,7 +2607,7 @@
           <a:p>
             <a:fld id="{194F26FB-BC04-428D-9D9B-8FE39676BE7B}" type="datetimeFigureOut">
               <a:rPr lang="fr-FR" smtClean="0"/>
-              <a:t>22/05/2023</a:t>
+              <a:t>23/05/2023</a:t>
             </a:fld>
             <a:endParaRPr lang="fr-FR"/>
           </a:p>
@@ -2865,7 +2895,7 @@
           <a:p>
             <a:fld id="{194F26FB-BC04-428D-9D9B-8FE39676BE7B}" type="datetimeFigureOut">
               <a:rPr lang="fr-FR" smtClean="0"/>
-              <a:t>22/05/2023</a:t>
+              <a:t>23/05/2023</a:t>
             </a:fld>
             <a:endParaRPr lang="fr-FR"/>
           </a:p>
@@ -3106,7 +3136,7 @@
           <a:p>
             <a:fld id="{194F26FB-BC04-428D-9D9B-8FE39676BE7B}" type="datetimeFigureOut">
               <a:rPr lang="fr-FR" smtClean="0"/>
-              <a:t>22/05/2023</a:t>
+              <a:t>23/05/2023</a:t>
             </a:fld>
             <a:endParaRPr lang="fr-FR"/>
           </a:p>
@@ -4393,7 +4423,12 @@
             <p:ph idx="1"/>
           </p:nvPr>
         </p:nvSpPr>
-        <p:spPr/>
+        <p:spPr>
+          <a:xfrm>
+            <a:off x="831056" y="1825625"/>
+            <a:ext cx="10515600" cy="4351338"/>
+          </a:xfrm>
+        </p:spPr>
         <p:txBody>
           <a:bodyPr/>
           <a:lstStyle/>
@@ -4487,7 +4522,7 @@
             </a:r>
             <a:r>
               <a:rPr lang="fr-FR" dirty="0"/>
-              <a:t> : 8 multiplications, 3*8 additions</a:t>
+              <a:t> : 8 multiplications, 4 additions</a:t>
             </a:r>
           </a:p>
           <a:p>
@@ -4497,7 +4532,23 @@
             </a:r>
             <a:r>
               <a:rPr lang="fr-FR" dirty="0"/>
-              <a:t> : 7 multiplications : 3*12 – 3*7 additions</a:t>
+              <a:t> : 7 multiplications </a:t>
+            </a:r>
+            <a:r>
+              <a:rPr lang="fr-FR"/>
+              <a:t>: 1</a:t>
+            </a:r>
+            <a:r>
+              <a:rPr lang="fr-FR" dirty="0"/>
+              <a:t>8</a:t>
+            </a:r>
+            <a:r>
+              <a:rPr lang="fr-FR"/>
+              <a:t> </a:t>
+            </a:r>
+            <a:r>
+              <a:rPr lang="fr-FR" dirty="0"/>
+              <a:t>additions</a:t>
             </a:r>
           </a:p>
           <a:p>

--- a/Matrix multiplication.pptx
+++ b/Matrix multiplication.pptx
@@ -120,7 +120,7 @@
 <file path=ppt/revisionInfo.xml><?xml version="1.0" encoding="utf-8"?>
 <p1510:revInfo xmlns:a="http://schemas.openxmlformats.org/drawingml/2006/main" xmlns:r="http://schemas.openxmlformats.org/officeDocument/2006/relationships" xmlns:p1510="http://schemas.microsoft.com/office/powerpoint/2015/10/main">
   <p1510:revLst>
-    <p1510:client id="{8FEE5646-5C0E-4FC9-808B-90A02C452708}" v="14" dt="2023-05-23T10:19:55.716"/>
+    <p1510:client id="{8FEE5646-5C0E-4FC9-808B-90A02C452708}" v="15" dt="2023-06-13T09:46:58.828"/>
   </p1510:revLst>
 </p1510:revInfo>
 </file>
@@ -130,7 +130,7 @@
   <pc:docChgLst>
     <pc:chgData name="Jean" userId="d661cc535043b6a8" providerId="LiveId" clId="{8FEE5646-5C0E-4FC9-808B-90A02C452708}"/>
     <pc:docChg chg="custSel addSld delSld modSld">
-      <pc:chgData name="Jean" userId="d661cc535043b6a8" providerId="LiveId" clId="{8FEE5646-5C0E-4FC9-808B-90A02C452708}" dt="2023-05-23T10:35:22.494" v="754" actId="20577"/>
+      <pc:chgData name="Jean" userId="d661cc535043b6a8" providerId="LiveId" clId="{8FEE5646-5C0E-4FC9-808B-90A02C452708}" dt="2023-06-13T10:22:01.726" v="768" actId="1076"/>
       <pc:docMkLst>
         <pc:docMk/>
       </pc:docMkLst>
@@ -205,7 +205,7 @@
         </pc:picChg>
       </pc:sldChg>
       <pc:sldChg chg="addSp delSp modSp new mod">
-        <pc:chgData name="Jean" userId="d661cc535043b6a8" providerId="LiveId" clId="{8FEE5646-5C0E-4FC9-808B-90A02C452708}" dt="2023-04-26T21:12:04.695" v="143" actId="20577"/>
+        <pc:chgData name="Jean" userId="d661cc535043b6a8" providerId="LiveId" clId="{8FEE5646-5C0E-4FC9-808B-90A02C452708}" dt="2023-06-13T10:22:01.726" v="768" actId="1076"/>
         <pc:sldMkLst>
           <pc:docMk/>
           <pc:sldMk cId="2684228516" sldId="259"/>
@@ -226,12 +226,28 @@
             <ac:spMk id="3" creationId="{5A52F196-D107-1859-6052-E7B23DE63A47}"/>
           </ac:spMkLst>
         </pc:spChg>
-        <pc:picChg chg="add mod">
-          <ac:chgData name="Jean" userId="d661cc535043b6a8" providerId="LiveId" clId="{8FEE5646-5C0E-4FC9-808B-90A02C452708}" dt="2023-04-26T21:11:50.191" v="104" actId="962"/>
+        <pc:spChg chg="add mod">
+          <ac:chgData name="Jean" userId="d661cc535043b6a8" providerId="LiveId" clId="{8FEE5646-5C0E-4FC9-808B-90A02C452708}" dt="2023-06-13T10:21:55.652" v="764" actId="478"/>
+          <ac:spMkLst>
+            <pc:docMk/>
+            <pc:sldMk cId="2684228516" sldId="259"/>
+            <ac:spMk id="4" creationId="{5E9E5AB3-F74A-31FC-FB77-8455DAC0F592}"/>
+          </ac:spMkLst>
+        </pc:spChg>
+        <pc:picChg chg="add del mod">
+          <ac:chgData name="Jean" userId="d661cc535043b6a8" providerId="LiveId" clId="{8FEE5646-5C0E-4FC9-808B-90A02C452708}" dt="2023-06-13T10:21:55.652" v="764" actId="478"/>
           <ac:picMkLst>
             <pc:docMk/>
             <pc:sldMk cId="2684228516" sldId="259"/>
             <ac:picMk id="5" creationId="{92F87EDA-893F-0A26-963D-C71F997A713C}"/>
+          </ac:picMkLst>
+        </pc:picChg>
+        <pc:picChg chg="add mod">
+          <ac:chgData name="Jean" userId="d661cc535043b6a8" providerId="LiveId" clId="{8FEE5646-5C0E-4FC9-808B-90A02C452708}" dt="2023-06-13T10:22:01.726" v="768" actId="1076"/>
+          <ac:picMkLst>
+            <pc:docMk/>
+            <pc:sldMk cId="2684228516" sldId="259"/>
+            <ac:picMk id="7" creationId="{3A11B5D0-A9B3-264F-582C-C144F70B714E}"/>
           </ac:picMkLst>
         </pc:picChg>
       </pc:sldChg>
@@ -267,13 +283,13 @@
         </pc:picChg>
       </pc:sldChg>
       <pc:sldChg chg="modSp new mod">
-        <pc:chgData name="Jean" userId="d661cc535043b6a8" providerId="LiveId" clId="{8FEE5646-5C0E-4FC9-808B-90A02C452708}" dt="2023-04-29T13:31:22.115" v="420" actId="20577"/>
+        <pc:chgData name="Jean" userId="d661cc535043b6a8" providerId="LiveId" clId="{8FEE5646-5C0E-4FC9-808B-90A02C452708}" dt="2023-06-13T09:46:58.805" v="763" actId="20577"/>
         <pc:sldMkLst>
           <pc:docMk/>
           <pc:sldMk cId="1352473133" sldId="261"/>
         </pc:sldMkLst>
         <pc:spChg chg="mod">
-          <ac:chgData name="Jean" userId="d661cc535043b6a8" providerId="LiveId" clId="{8FEE5646-5C0E-4FC9-808B-90A02C452708}" dt="2023-04-29T13:31:22.115" v="420" actId="20577"/>
+          <ac:chgData name="Jean" userId="d661cc535043b6a8" providerId="LiveId" clId="{8FEE5646-5C0E-4FC9-808B-90A02C452708}" dt="2023-06-13T09:46:58.805" v="763" actId="20577"/>
           <ac:spMkLst>
             <pc:docMk/>
             <pc:sldMk cId="1352473133" sldId="261"/>
@@ -486,7 +502,7 @@
           <a:p>
             <a:fld id="{194F26FB-BC04-428D-9D9B-8FE39676BE7B}" type="datetimeFigureOut">
               <a:rPr lang="fr-FR" smtClean="0"/>
-              <a:t>23/05/2023</a:t>
+              <a:t>13/06/2023</a:t>
             </a:fld>
             <a:endParaRPr lang="fr-FR"/>
           </a:p>
@@ -684,7 +700,7 @@
           <a:p>
             <a:fld id="{194F26FB-BC04-428D-9D9B-8FE39676BE7B}" type="datetimeFigureOut">
               <a:rPr lang="fr-FR" smtClean="0"/>
-              <a:t>23/05/2023</a:t>
+              <a:t>13/06/2023</a:t>
             </a:fld>
             <a:endParaRPr lang="fr-FR"/>
           </a:p>
@@ -892,7 +908,7 @@
           <a:p>
             <a:fld id="{194F26FB-BC04-428D-9D9B-8FE39676BE7B}" type="datetimeFigureOut">
               <a:rPr lang="fr-FR" smtClean="0"/>
-              <a:t>23/05/2023</a:t>
+              <a:t>13/06/2023</a:t>
             </a:fld>
             <a:endParaRPr lang="fr-FR"/>
           </a:p>
@@ -1090,7 +1106,7 @@
           <a:p>
             <a:fld id="{194F26FB-BC04-428D-9D9B-8FE39676BE7B}" type="datetimeFigureOut">
               <a:rPr lang="fr-FR" smtClean="0"/>
-              <a:t>23/05/2023</a:t>
+              <a:t>13/06/2023</a:t>
             </a:fld>
             <a:endParaRPr lang="fr-FR"/>
           </a:p>
@@ -1365,7 +1381,7 @@
           <a:p>
             <a:fld id="{194F26FB-BC04-428D-9D9B-8FE39676BE7B}" type="datetimeFigureOut">
               <a:rPr lang="fr-FR" smtClean="0"/>
-              <a:t>23/05/2023</a:t>
+              <a:t>13/06/2023</a:t>
             </a:fld>
             <a:endParaRPr lang="fr-FR"/>
           </a:p>
@@ -1630,7 +1646,7 @@
           <a:p>
             <a:fld id="{194F26FB-BC04-428D-9D9B-8FE39676BE7B}" type="datetimeFigureOut">
               <a:rPr lang="fr-FR" smtClean="0"/>
-              <a:t>23/05/2023</a:t>
+              <a:t>13/06/2023</a:t>
             </a:fld>
             <a:endParaRPr lang="fr-FR"/>
           </a:p>
@@ -2042,7 +2058,7 @@
           <a:p>
             <a:fld id="{194F26FB-BC04-428D-9D9B-8FE39676BE7B}" type="datetimeFigureOut">
               <a:rPr lang="fr-FR" smtClean="0"/>
-              <a:t>23/05/2023</a:t>
+              <a:t>13/06/2023</a:t>
             </a:fld>
             <a:endParaRPr lang="fr-FR"/>
           </a:p>
@@ -2183,7 +2199,7 @@
           <a:p>
             <a:fld id="{194F26FB-BC04-428D-9D9B-8FE39676BE7B}" type="datetimeFigureOut">
               <a:rPr lang="fr-FR" smtClean="0"/>
-              <a:t>23/05/2023</a:t>
+              <a:t>13/06/2023</a:t>
             </a:fld>
             <a:endParaRPr lang="fr-FR"/>
           </a:p>
@@ -2296,7 +2312,7 @@
           <a:p>
             <a:fld id="{194F26FB-BC04-428D-9D9B-8FE39676BE7B}" type="datetimeFigureOut">
               <a:rPr lang="fr-FR" smtClean="0"/>
-              <a:t>23/05/2023</a:t>
+              <a:t>13/06/2023</a:t>
             </a:fld>
             <a:endParaRPr lang="fr-FR"/>
           </a:p>
@@ -2607,7 +2623,7 @@
           <a:p>
             <a:fld id="{194F26FB-BC04-428D-9D9B-8FE39676BE7B}" type="datetimeFigureOut">
               <a:rPr lang="fr-FR" smtClean="0"/>
-              <a:t>23/05/2023</a:t>
+              <a:t>13/06/2023</a:t>
             </a:fld>
             <a:endParaRPr lang="fr-FR"/>
           </a:p>
@@ -2895,7 +2911,7 @@
           <a:p>
             <a:fld id="{194F26FB-BC04-428D-9D9B-8FE39676BE7B}" type="datetimeFigureOut">
               <a:rPr lang="fr-FR" smtClean="0"/>
-              <a:t>23/05/2023</a:t>
+              <a:t>13/06/2023</a:t>
             </a:fld>
             <a:endParaRPr lang="fr-FR"/>
           </a:p>
@@ -3136,7 +3152,7 @@
           <a:p>
             <a:fld id="{194F26FB-BC04-428D-9D9B-8FE39676BE7B}" type="datetimeFigureOut">
               <a:rPr lang="fr-FR" smtClean="0"/>
-              <a:t>23/05/2023</a:t>
+              <a:t>13/06/2023</a:t>
             </a:fld>
             <a:endParaRPr lang="fr-FR"/>
           </a:p>
@@ -4060,9 +4076,12 @@
               <a:rPr lang="fr-FR" dirty="0">
                 <a:hlinkClick r:id="rId2"/>
               </a:rPr>
-              <a:t>https://sudeepraja.github.io/MatrixMultiplication/Binary</a:t>
-            </a:r>
-            <a:endParaRPr lang="fr-FR" dirty="0"/>
+              <a:t>https://sudeepraja.github.io/MatrixMultiplication</a:t>
+            </a:r>
+            <a:r>
+              <a:rPr lang="fr-FR" dirty="0"/>
+              <a:t> </a:t>
+            </a:r>
           </a:p>
           <a:p>
             <a:r>
@@ -4075,13 +4094,13 @@
           </a:p>
           <a:p>
             <a:r>
-              <a:rPr lang="fr-FR">
+              <a:rPr lang="fr-FR" dirty="0">
                 <a:hlinkClick r:id="rId4"/>
               </a:rPr>
               <a:t>https://www.nature.com/articles/s41586-022-05172-4</a:t>
             </a:r>
             <a:r>
-              <a:rPr lang="fr-FR"/>
+              <a:rPr lang="fr-FR" dirty="0"/>
               <a:t> </a:t>
             </a:r>
           </a:p>
@@ -4317,39 +4336,59 @@
           </a:p>
         </p:txBody>
       </p:sp>
+      <p:sp>
+        <p:nvSpPr>
+          <p:cNvPr id="4" name="Espace réservé du contenu 3">
+            <a:extLst>
+              <a:ext uri="{FF2B5EF4-FFF2-40B4-BE49-F238E27FC236}">
+                <a16:creationId xmlns:a16="http://schemas.microsoft.com/office/drawing/2014/main" id="{5E9E5AB3-F74A-31FC-FB77-8455DAC0F592}"/>
+              </a:ext>
+            </a:extLst>
+          </p:cNvPr>
+          <p:cNvSpPr>
+            <a:spLocks noGrp="1"/>
+          </p:cNvSpPr>
+          <p:nvPr>
+            <p:ph idx="1"/>
+          </p:nvPr>
+        </p:nvSpPr>
+        <p:spPr/>
+        <p:txBody>
+          <a:bodyPr/>
+          <a:lstStyle/>
+          <a:p>
+            <a:endParaRPr lang="fr-FR"/>
+          </a:p>
+        </p:txBody>
+      </p:sp>
       <p:pic>
         <p:nvPicPr>
-          <p:cNvPr id="5" name="Espace réservé du contenu 4" descr="Une image contenant texte, tableau blanc&#10;&#10;Description générée automatiquement">
-            <a:extLst>
-              <a:ext uri="{FF2B5EF4-FFF2-40B4-BE49-F238E27FC236}">
-                <a16:creationId xmlns:a16="http://schemas.microsoft.com/office/drawing/2014/main" id="{92F87EDA-893F-0A26-963D-C71F997A713C}"/>
+          <p:cNvPr id="7" name="Image 6">
+            <a:extLst>
+              <a:ext uri="{FF2B5EF4-FFF2-40B4-BE49-F238E27FC236}">
+                <a16:creationId xmlns:a16="http://schemas.microsoft.com/office/drawing/2014/main" id="{3A11B5D0-A9B3-264F-582C-C144F70B714E}"/>
               </a:ext>
             </a:extLst>
           </p:cNvPr>
           <p:cNvPicPr>
-            <a:picLocks noGrp="1" noChangeAspect="1"/>
+            <a:picLocks noChangeAspect="1"/>
           </p:cNvPicPr>
-          <p:nvPr>
-            <p:ph idx="1"/>
-          </p:nvPr>
+          <p:nvPr/>
         </p:nvPicPr>
         <p:blipFill>
-          <a:blip r:embed="rId2">
-            <a:extLst>
-              <a:ext uri="{28A0092B-C50C-407E-A947-70E740481C1C}">
-                <a14:useLocalDpi xmlns:a14="http://schemas.microsoft.com/office/drawing/2010/main" val="0"/>
-              </a:ext>
-            </a:extLst>
-          </a:blip>
+          <a:blip r:embed="rId2"/>
           <a:stretch>
             <a:fillRect/>
           </a:stretch>
         </p:blipFill>
         <p:spPr>
           <a:xfrm>
-            <a:off x="2228144" y="1825625"/>
-            <a:ext cx="7735712" cy="4351338"/>
+            <a:off x="3376247" y="1521513"/>
+            <a:ext cx="5791200" cy="4971362"/>
           </a:xfrm>
+          <a:prstGeom prst="rect">
+            <a:avLst/>
+          </a:prstGeom>
         </p:spPr>
       </p:pic>
     </p:spTree>

--- a/Matrix multiplication.pptx
+++ b/Matrix multiplication.pptx
@@ -1,6 +1,6 @@
 
 <file path=ppt/presentation.xml><?xml version="1.0" encoding="utf-8"?>
-<p:presentation xmlns:a="http://schemas.openxmlformats.org/drawingml/2006/main" xmlns:r="http://schemas.openxmlformats.org/officeDocument/2006/relationships" xmlns:p="http://schemas.openxmlformats.org/presentationml/2006/main" saveSubsetFonts="1">
+<p:presentation xmlns:a="http://schemas.openxmlformats.org/drawingml/2006/main" xmlns:r="http://schemas.openxmlformats.org/officeDocument/2006/relationships" xmlns:p="http://schemas.openxmlformats.org/presentationml/2006/main" removePersonalInfoOnSave="1" saveSubsetFonts="1">
   <p:sldMasterIdLst>
     <p:sldMasterId id="2147483648" r:id="rId1"/>
   </p:sldMasterIdLst>
@@ -120,239 +120,9 @@
 <file path=ppt/revisionInfo.xml><?xml version="1.0" encoding="utf-8"?>
 <p1510:revInfo xmlns:a="http://schemas.openxmlformats.org/drawingml/2006/main" xmlns:r="http://schemas.openxmlformats.org/officeDocument/2006/relationships" xmlns:p1510="http://schemas.microsoft.com/office/powerpoint/2015/10/main">
   <p1510:revLst>
-    <p1510:client id="{8FEE5646-5C0E-4FC9-808B-90A02C452708}" v="15" dt="2023-06-13T09:46:58.828"/>
+    <p1510:client id="{8FEE5646-5C0E-4FC9-808B-90A02C452708}" v="16" dt="2023-06-19T13:59:32.635"/>
   </p1510:revLst>
 </p1510:revInfo>
-</file>
-
-<file path=ppt/changesInfos/changesInfo1.xml><?xml version="1.0" encoding="utf-8"?>
-<pc:chgInfo xmlns:a="http://schemas.openxmlformats.org/drawingml/2006/main" xmlns:r="http://schemas.openxmlformats.org/officeDocument/2006/relationships" xmlns:ac="http://schemas.microsoft.com/office/drawing/2013/main/command" xmlns:pc="http://schemas.microsoft.com/office/powerpoint/2013/main/command">
-  <pc:docChgLst>
-    <pc:chgData name="Jean" userId="d661cc535043b6a8" providerId="LiveId" clId="{8FEE5646-5C0E-4FC9-808B-90A02C452708}"/>
-    <pc:docChg chg="custSel addSld delSld modSld">
-      <pc:chgData name="Jean" userId="d661cc535043b6a8" providerId="LiveId" clId="{8FEE5646-5C0E-4FC9-808B-90A02C452708}" dt="2023-06-13T10:22:01.726" v="768" actId="1076"/>
-      <pc:docMkLst>
-        <pc:docMk/>
-      </pc:docMkLst>
-      <pc:sldChg chg="del">
-        <pc:chgData name="Jean" userId="d661cc535043b6a8" providerId="LiveId" clId="{8FEE5646-5C0E-4FC9-808B-90A02C452708}" dt="2023-04-26T20:59:53.434" v="0" actId="47"/>
-        <pc:sldMkLst>
-          <pc:docMk/>
-          <pc:sldMk cId="3156683940" sldId="256"/>
-        </pc:sldMkLst>
-      </pc:sldChg>
-      <pc:sldChg chg="addSp modSp mod">
-        <pc:chgData name="Jean" userId="d661cc535043b6a8" providerId="LiveId" clId="{8FEE5646-5C0E-4FC9-808B-90A02C452708}" dt="2023-05-22T10:59:54.851" v="720" actId="1076"/>
-        <pc:sldMkLst>
-          <pc:docMk/>
-          <pc:sldMk cId="2772564865" sldId="257"/>
-        </pc:sldMkLst>
-        <pc:spChg chg="mod">
-          <ac:chgData name="Jean" userId="d661cc535043b6a8" providerId="LiveId" clId="{8FEE5646-5C0E-4FC9-808B-90A02C452708}" dt="2023-04-28T11:42:27.942" v="410" actId="1076"/>
-          <ac:spMkLst>
-            <pc:docMk/>
-            <pc:sldMk cId="2772564865" sldId="257"/>
-            <ac:spMk id="4" creationId="{963D9F8E-1B9A-CE60-C972-46A31734C977}"/>
-          </ac:spMkLst>
-        </pc:spChg>
-        <pc:spChg chg="mod">
-          <ac:chgData name="Jean" userId="d661cc535043b6a8" providerId="LiveId" clId="{8FEE5646-5C0E-4FC9-808B-90A02C452708}" dt="2023-04-28T11:42:31.626" v="411" actId="1076"/>
-          <ac:spMkLst>
-            <pc:docMk/>
-            <pc:sldMk cId="2772564865" sldId="257"/>
-            <ac:spMk id="6" creationId="{2E7B339F-A1D9-A1B5-D9D5-D666362EC4EC}"/>
-          </ac:spMkLst>
-        </pc:spChg>
-        <pc:spChg chg="mod">
-          <ac:chgData name="Jean" userId="d661cc535043b6a8" providerId="LiveId" clId="{8FEE5646-5C0E-4FC9-808B-90A02C452708}" dt="2023-05-22T10:59:50.868" v="718" actId="20577"/>
-          <ac:spMkLst>
-            <pc:docMk/>
-            <pc:sldMk cId="2772564865" sldId="257"/>
-            <ac:spMk id="7" creationId="{368E3D6D-8320-7ECE-7C07-2099366C8973}"/>
-          </ac:spMkLst>
-        </pc:spChg>
-        <pc:spChg chg="mod">
-          <ac:chgData name="Jean" userId="d661cc535043b6a8" providerId="LiveId" clId="{8FEE5646-5C0E-4FC9-808B-90A02C452708}" dt="2023-04-28T11:42:15.400" v="408" actId="1076"/>
-          <ac:spMkLst>
-            <pc:docMk/>
-            <pc:sldMk cId="2772564865" sldId="257"/>
-            <ac:spMk id="8" creationId="{764CFF08-351E-1299-9321-AB960FD15706}"/>
-          </ac:spMkLst>
-        </pc:spChg>
-        <pc:spChg chg="add mod">
-          <ac:chgData name="Jean" userId="d661cc535043b6a8" providerId="LiveId" clId="{8FEE5646-5C0E-4FC9-808B-90A02C452708}" dt="2023-05-21T17:47:37.266" v="421" actId="20577"/>
-          <ac:spMkLst>
-            <pc:docMk/>
-            <pc:sldMk cId="2772564865" sldId="257"/>
-            <ac:spMk id="9" creationId="{A3978025-AFE4-15FE-6455-165B29CA7F25}"/>
-          </ac:spMkLst>
-        </pc:spChg>
-        <pc:spChg chg="add mod">
-          <ac:chgData name="Jean" userId="d661cc535043b6a8" providerId="LiveId" clId="{8FEE5646-5C0E-4FC9-808B-90A02C452708}" dt="2023-04-28T11:40:45.849" v="383" actId="14100"/>
-          <ac:spMkLst>
-            <pc:docMk/>
-            <pc:sldMk cId="2772564865" sldId="257"/>
-            <ac:spMk id="10" creationId="{EBEDF444-C162-6EE7-4435-6B0CA78A55F0}"/>
-          </ac:spMkLst>
-        </pc:spChg>
-        <pc:picChg chg="mod">
-          <ac:chgData name="Jean" userId="d661cc535043b6a8" providerId="LiveId" clId="{8FEE5646-5C0E-4FC9-808B-90A02C452708}" dt="2023-05-22T10:59:54.851" v="720" actId="1076"/>
-          <ac:picMkLst>
-            <pc:docMk/>
-            <pc:sldMk cId="2772564865" sldId="257"/>
-            <ac:picMk id="1026" creationId="{C2186C83-E6EC-0C3A-208A-58DC409DF087}"/>
-          </ac:picMkLst>
-        </pc:picChg>
-      </pc:sldChg>
-      <pc:sldChg chg="addSp delSp modSp new mod">
-        <pc:chgData name="Jean" userId="d661cc535043b6a8" providerId="LiveId" clId="{8FEE5646-5C0E-4FC9-808B-90A02C452708}" dt="2023-06-13T10:22:01.726" v="768" actId="1076"/>
-        <pc:sldMkLst>
-          <pc:docMk/>
-          <pc:sldMk cId="2684228516" sldId="259"/>
-        </pc:sldMkLst>
-        <pc:spChg chg="mod">
-          <ac:chgData name="Jean" userId="d661cc535043b6a8" providerId="LiveId" clId="{8FEE5646-5C0E-4FC9-808B-90A02C452708}" dt="2023-04-26T21:12:04.695" v="143" actId="20577"/>
-          <ac:spMkLst>
-            <pc:docMk/>
-            <pc:sldMk cId="2684228516" sldId="259"/>
-            <ac:spMk id="2" creationId="{32F37AB0-7BCF-5722-75C7-D658C850C272}"/>
-          </ac:spMkLst>
-        </pc:spChg>
-        <pc:spChg chg="del">
-          <ac:chgData name="Jean" userId="d661cc535043b6a8" providerId="LiveId" clId="{8FEE5646-5C0E-4FC9-808B-90A02C452708}" dt="2023-04-26T21:11:48.792" v="102"/>
-          <ac:spMkLst>
-            <pc:docMk/>
-            <pc:sldMk cId="2684228516" sldId="259"/>
-            <ac:spMk id="3" creationId="{5A52F196-D107-1859-6052-E7B23DE63A47}"/>
-          </ac:spMkLst>
-        </pc:spChg>
-        <pc:spChg chg="add mod">
-          <ac:chgData name="Jean" userId="d661cc535043b6a8" providerId="LiveId" clId="{8FEE5646-5C0E-4FC9-808B-90A02C452708}" dt="2023-06-13T10:21:55.652" v="764" actId="478"/>
-          <ac:spMkLst>
-            <pc:docMk/>
-            <pc:sldMk cId="2684228516" sldId="259"/>
-            <ac:spMk id="4" creationId="{5E9E5AB3-F74A-31FC-FB77-8455DAC0F592}"/>
-          </ac:spMkLst>
-        </pc:spChg>
-        <pc:picChg chg="add del mod">
-          <ac:chgData name="Jean" userId="d661cc535043b6a8" providerId="LiveId" clId="{8FEE5646-5C0E-4FC9-808B-90A02C452708}" dt="2023-06-13T10:21:55.652" v="764" actId="478"/>
-          <ac:picMkLst>
-            <pc:docMk/>
-            <pc:sldMk cId="2684228516" sldId="259"/>
-            <ac:picMk id="5" creationId="{92F87EDA-893F-0A26-963D-C71F997A713C}"/>
-          </ac:picMkLst>
-        </pc:picChg>
-        <pc:picChg chg="add mod">
-          <ac:chgData name="Jean" userId="d661cc535043b6a8" providerId="LiveId" clId="{8FEE5646-5C0E-4FC9-808B-90A02C452708}" dt="2023-06-13T10:22:01.726" v="768" actId="1076"/>
-          <ac:picMkLst>
-            <pc:docMk/>
-            <pc:sldMk cId="2684228516" sldId="259"/>
-            <ac:picMk id="7" creationId="{3A11B5D0-A9B3-264F-582C-C144F70B714E}"/>
-          </ac:picMkLst>
-        </pc:picChg>
-      </pc:sldChg>
-      <pc:sldChg chg="addSp delSp modSp new mod">
-        <pc:chgData name="Jean" userId="d661cc535043b6a8" providerId="LiveId" clId="{8FEE5646-5C0E-4FC9-808B-90A02C452708}" dt="2023-04-27T08:04:19.374" v="210" actId="478"/>
-        <pc:sldMkLst>
-          <pc:docMk/>
-          <pc:sldMk cId="1810113003" sldId="260"/>
-        </pc:sldMkLst>
-        <pc:spChg chg="del mod">
-          <ac:chgData name="Jean" userId="d661cc535043b6a8" providerId="LiveId" clId="{8FEE5646-5C0E-4FC9-808B-90A02C452708}" dt="2023-04-27T08:04:16.644" v="209" actId="478"/>
-          <ac:spMkLst>
-            <pc:docMk/>
-            <pc:sldMk cId="1810113003" sldId="260"/>
-            <ac:spMk id="2" creationId="{1A4B1CCC-756F-2638-4456-0E186962B371}"/>
-          </ac:spMkLst>
-        </pc:spChg>
-        <pc:spChg chg="del">
-          <ac:chgData name="Jean" userId="d661cc535043b6a8" providerId="LiveId" clId="{8FEE5646-5C0E-4FC9-808B-90A02C452708}" dt="2023-04-27T08:04:19.374" v="210" actId="478"/>
-          <ac:spMkLst>
-            <pc:docMk/>
-            <pc:sldMk cId="1810113003" sldId="260"/>
-            <ac:spMk id="3" creationId="{F9C3E347-091F-9FEE-5F3D-69DDE2955979}"/>
-          </ac:spMkLst>
-        </pc:spChg>
-        <pc:picChg chg="add mod">
-          <ac:chgData name="Jean" userId="d661cc535043b6a8" providerId="LiveId" clId="{8FEE5646-5C0E-4FC9-808B-90A02C452708}" dt="2023-04-27T08:04:13.984" v="207" actId="14100"/>
-          <ac:picMkLst>
-            <pc:docMk/>
-            <pc:sldMk cId="1810113003" sldId="260"/>
-            <ac:picMk id="2050" creationId="{1868695B-37E2-F0E7-9477-CCE0BB77CB79}"/>
-          </ac:picMkLst>
-        </pc:picChg>
-      </pc:sldChg>
-      <pc:sldChg chg="modSp new mod">
-        <pc:chgData name="Jean" userId="d661cc535043b6a8" providerId="LiveId" clId="{8FEE5646-5C0E-4FC9-808B-90A02C452708}" dt="2023-06-13T09:46:58.805" v="763" actId="20577"/>
-        <pc:sldMkLst>
-          <pc:docMk/>
-          <pc:sldMk cId="1352473133" sldId="261"/>
-        </pc:sldMkLst>
-        <pc:spChg chg="mod">
-          <ac:chgData name="Jean" userId="d661cc535043b6a8" providerId="LiveId" clId="{8FEE5646-5C0E-4FC9-808B-90A02C452708}" dt="2023-06-13T09:46:58.805" v="763" actId="20577"/>
-          <ac:spMkLst>
-            <pc:docMk/>
-            <pc:sldMk cId="1352473133" sldId="261"/>
-            <ac:spMk id="3" creationId="{67877881-3C62-14A6-D3A4-87BA1937A1A5}"/>
-          </ac:spMkLst>
-        </pc:spChg>
-      </pc:sldChg>
-      <pc:sldChg chg="modSp new mod">
-        <pc:chgData name="Jean" userId="d661cc535043b6a8" providerId="LiveId" clId="{8FEE5646-5C0E-4FC9-808B-90A02C452708}" dt="2023-05-23T10:35:22.494" v="754" actId="20577"/>
-        <pc:sldMkLst>
-          <pc:docMk/>
-          <pc:sldMk cId="3563857863" sldId="262"/>
-        </pc:sldMkLst>
-        <pc:spChg chg="mod">
-          <ac:chgData name="Jean" userId="d661cc535043b6a8" providerId="LiveId" clId="{8FEE5646-5C0E-4FC9-808B-90A02C452708}" dt="2023-05-22T10:50:16.027" v="554" actId="20577"/>
-          <ac:spMkLst>
-            <pc:docMk/>
-            <pc:sldMk cId="3563857863" sldId="262"/>
-            <ac:spMk id="2" creationId="{32803A73-145C-2B79-37F7-2ABF22588B95}"/>
-          </ac:spMkLst>
-        </pc:spChg>
-        <pc:spChg chg="mod">
-          <ac:chgData name="Jean" userId="d661cc535043b6a8" providerId="LiveId" clId="{8FEE5646-5C0E-4FC9-808B-90A02C452708}" dt="2023-05-23T10:35:22.494" v="754" actId="20577"/>
-          <ac:spMkLst>
-            <pc:docMk/>
-            <pc:sldMk cId="3563857863" sldId="262"/>
-            <ac:spMk id="3" creationId="{7FC8695D-E556-0798-BA62-D915426E54EB}"/>
-          </ac:spMkLst>
-        </pc:spChg>
-      </pc:sldChg>
-      <pc:sldChg chg="addSp delSp modSp new del mod">
-        <pc:chgData name="Jean" userId="d661cc535043b6a8" providerId="LiveId" clId="{8FEE5646-5C0E-4FC9-808B-90A02C452708}" dt="2023-05-23T10:20:24.105" v="728" actId="47"/>
-        <pc:sldMkLst>
-          <pc:docMk/>
-          <pc:sldMk cId="3445480315" sldId="263"/>
-        </pc:sldMkLst>
-        <pc:spChg chg="del">
-          <ac:chgData name="Jean" userId="d661cc535043b6a8" providerId="LiveId" clId="{8FEE5646-5C0E-4FC9-808B-90A02C452708}" dt="2023-05-23T10:19:55.716" v="722"/>
-          <ac:spMkLst>
-            <pc:docMk/>
-            <pc:sldMk cId="3445480315" sldId="263"/>
-            <ac:spMk id="3" creationId="{FE774909-78FD-C19E-F5AB-0D0E08359498}"/>
-          </ac:spMkLst>
-        </pc:spChg>
-        <pc:picChg chg="add mod">
-          <ac:chgData name="Jean" userId="d661cc535043b6a8" providerId="LiveId" clId="{8FEE5646-5C0E-4FC9-808B-90A02C452708}" dt="2023-05-23T10:20:04.022" v="726" actId="14100"/>
-          <ac:picMkLst>
-            <pc:docMk/>
-            <pc:sldMk cId="3445480315" sldId="263"/>
-            <ac:picMk id="5" creationId="{711479E0-3A00-9401-DA9F-D0CF711379B9}"/>
-          </ac:picMkLst>
-        </pc:picChg>
-      </pc:sldChg>
-      <pc:sldChg chg="new del">
-        <pc:chgData name="Jean" userId="d661cc535043b6a8" providerId="LiveId" clId="{8FEE5646-5C0E-4FC9-808B-90A02C452708}" dt="2023-05-23T10:20:24.869" v="729" actId="47"/>
-        <pc:sldMkLst>
-          <pc:docMk/>
-          <pc:sldMk cId="941730419" sldId="264"/>
-        </pc:sldMkLst>
-      </pc:sldChg>
-    </pc:docChg>
-  </pc:docChgLst>
-</pc:chgInfo>
 </file>
 
 <file path=ppt/slideLayouts/slideLayout1.xml><?xml version="1.0" encoding="utf-8"?>
@@ -502,7 +272,7 @@
           <a:p>
             <a:fld id="{194F26FB-BC04-428D-9D9B-8FE39676BE7B}" type="datetimeFigureOut">
               <a:rPr lang="fr-FR" smtClean="0"/>
-              <a:t>13/06/2023</a:t>
+              <a:t>19/06/2023</a:t>
             </a:fld>
             <a:endParaRPr lang="fr-FR"/>
           </a:p>
@@ -700,7 +470,7 @@
           <a:p>
             <a:fld id="{194F26FB-BC04-428D-9D9B-8FE39676BE7B}" type="datetimeFigureOut">
               <a:rPr lang="fr-FR" smtClean="0"/>
-              <a:t>13/06/2023</a:t>
+              <a:t>19/06/2023</a:t>
             </a:fld>
             <a:endParaRPr lang="fr-FR"/>
           </a:p>
@@ -908,7 +678,7 @@
           <a:p>
             <a:fld id="{194F26FB-BC04-428D-9D9B-8FE39676BE7B}" type="datetimeFigureOut">
               <a:rPr lang="fr-FR" smtClean="0"/>
-              <a:t>13/06/2023</a:t>
+              <a:t>19/06/2023</a:t>
             </a:fld>
             <a:endParaRPr lang="fr-FR"/>
           </a:p>
@@ -1106,7 +876,7 @@
           <a:p>
             <a:fld id="{194F26FB-BC04-428D-9D9B-8FE39676BE7B}" type="datetimeFigureOut">
               <a:rPr lang="fr-FR" smtClean="0"/>
-              <a:t>13/06/2023</a:t>
+              <a:t>19/06/2023</a:t>
             </a:fld>
             <a:endParaRPr lang="fr-FR"/>
           </a:p>
@@ -1381,7 +1151,7 @@
           <a:p>
             <a:fld id="{194F26FB-BC04-428D-9D9B-8FE39676BE7B}" type="datetimeFigureOut">
               <a:rPr lang="fr-FR" smtClean="0"/>
-              <a:t>13/06/2023</a:t>
+              <a:t>19/06/2023</a:t>
             </a:fld>
             <a:endParaRPr lang="fr-FR"/>
           </a:p>
@@ -1646,7 +1416,7 @@
           <a:p>
             <a:fld id="{194F26FB-BC04-428D-9D9B-8FE39676BE7B}" type="datetimeFigureOut">
               <a:rPr lang="fr-FR" smtClean="0"/>
-              <a:t>13/06/2023</a:t>
+              <a:t>19/06/2023</a:t>
             </a:fld>
             <a:endParaRPr lang="fr-FR"/>
           </a:p>
@@ -2058,7 +1828,7 @@
           <a:p>
             <a:fld id="{194F26FB-BC04-428D-9D9B-8FE39676BE7B}" type="datetimeFigureOut">
               <a:rPr lang="fr-FR" smtClean="0"/>
-              <a:t>13/06/2023</a:t>
+              <a:t>19/06/2023</a:t>
             </a:fld>
             <a:endParaRPr lang="fr-FR"/>
           </a:p>
@@ -2199,7 +1969,7 @@
           <a:p>
             <a:fld id="{194F26FB-BC04-428D-9D9B-8FE39676BE7B}" type="datetimeFigureOut">
               <a:rPr lang="fr-FR" smtClean="0"/>
-              <a:t>13/06/2023</a:t>
+              <a:t>19/06/2023</a:t>
             </a:fld>
             <a:endParaRPr lang="fr-FR"/>
           </a:p>
@@ -2312,7 +2082,7 @@
           <a:p>
             <a:fld id="{194F26FB-BC04-428D-9D9B-8FE39676BE7B}" type="datetimeFigureOut">
               <a:rPr lang="fr-FR" smtClean="0"/>
-              <a:t>13/06/2023</a:t>
+              <a:t>19/06/2023</a:t>
             </a:fld>
             <a:endParaRPr lang="fr-FR"/>
           </a:p>
@@ -2623,7 +2393,7 @@
           <a:p>
             <a:fld id="{194F26FB-BC04-428D-9D9B-8FE39676BE7B}" type="datetimeFigureOut">
               <a:rPr lang="fr-FR" smtClean="0"/>
-              <a:t>13/06/2023</a:t>
+              <a:t>19/06/2023</a:t>
             </a:fld>
             <a:endParaRPr lang="fr-FR"/>
           </a:p>
@@ -2911,7 +2681,7 @@
           <a:p>
             <a:fld id="{194F26FB-BC04-428D-9D9B-8FE39676BE7B}" type="datetimeFigureOut">
               <a:rPr lang="fr-FR" smtClean="0"/>
-              <a:t>13/06/2023</a:t>
+              <a:t>19/06/2023</a:t>
             </a:fld>
             <a:endParaRPr lang="fr-FR"/>
           </a:p>
@@ -3152,7 +2922,7 @@
           <a:p>
             <a:fld id="{194F26FB-BC04-428D-9D9B-8FE39676BE7B}" type="datetimeFigureOut">
               <a:rPr lang="fr-FR" smtClean="0"/>
-              <a:t>13/06/2023</a:t>
+              <a:t>19/06/2023</a:t>
             </a:fld>
             <a:endParaRPr lang="fr-FR"/>
           </a:p>
